--- a/doc/1_Introduccion a los servicios Web en Cpp.pptx
+++ b/doc/1_Introduccion a los servicios Web en Cpp.pptx
@@ -5,7 +5,7 @@
     <p:sldMasterId id="2147483648" r:id="rId1"/>
   </p:sldMasterIdLst>
   <p:notesMasterIdLst>
-    <p:notesMasterId r:id="rId27"/>
+    <p:notesMasterId r:id="rId28"/>
   </p:notesMasterIdLst>
   <p:sldIdLst>
     <p:sldId id="256" r:id="rId2"/>
@@ -25,14 +25,15 @@
     <p:sldId id="306" r:id="rId16"/>
     <p:sldId id="260" r:id="rId17"/>
     <p:sldId id="302" r:id="rId18"/>
-    <p:sldId id="303" r:id="rId19"/>
-    <p:sldId id="262" r:id="rId20"/>
-    <p:sldId id="307" r:id="rId21"/>
-    <p:sldId id="308" r:id="rId22"/>
-    <p:sldId id="309" r:id="rId23"/>
-    <p:sldId id="310" r:id="rId24"/>
-    <p:sldId id="311" r:id="rId25"/>
-    <p:sldId id="312" r:id="rId26"/>
+    <p:sldId id="313" r:id="rId19"/>
+    <p:sldId id="303" r:id="rId20"/>
+    <p:sldId id="262" r:id="rId21"/>
+    <p:sldId id="307" r:id="rId22"/>
+    <p:sldId id="308" r:id="rId23"/>
+    <p:sldId id="309" r:id="rId24"/>
+    <p:sldId id="310" r:id="rId25"/>
+    <p:sldId id="311" r:id="rId26"/>
+    <p:sldId id="312" r:id="rId27"/>
   </p:sldIdLst>
   <p:sldSz cx="12192000" cy="6858000"/>
   <p:notesSz cx="6858000" cy="9144000"/>
@@ -221,7 +222,7 @@
           <a:p>
             <a:fld id="{8B666C47-6A24-4823-B183-046C75457BB2}" type="datetimeFigureOut">
               <a:rPr lang="es-ES" smtClean="0"/>
-              <a:t>08/09/2025</a:t>
+              <a:t>02/10/2025</a:t>
             </a:fld>
             <a:endParaRPr lang="es-ES"/>
           </a:p>
@@ -635,7 +636,7 @@
           <a:p>
             <a:fld id="{EA78FA5E-B104-454C-BB21-F274BFDB6267}" type="datetime1">
               <a:rPr lang="es-ES" smtClean="0"/>
-              <a:t>08/09/2025</a:t>
+              <a:t>02/10/2025</a:t>
             </a:fld>
             <a:endParaRPr lang="es-ES"/>
           </a:p>
@@ -833,7 +834,7 @@
           <a:p>
             <a:fld id="{451C5BB9-80F6-439D-A90E-D2CAD1E3DAC6}" type="datetime1">
               <a:rPr lang="es-ES" smtClean="0"/>
-              <a:t>08/09/2025</a:t>
+              <a:t>02/10/2025</a:t>
             </a:fld>
             <a:endParaRPr lang="es-ES"/>
           </a:p>
@@ -1041,7 +1042,7 @@
           <a:p>
             <a:fld id="{4ECA63F3-AA1E-49C2-80AA-162415E34238}" type="datetime1">
               <a:rPr lang="es-ES" smtClean="0"/>
-              <a:t>08/09/2025</a:t>
+              <a:t>02/10/2025</a:t>
             </a:fld>
             <a:endParaRPr lang="es-ES"/>
           </a:p>
@@ -1239,7 +1240,7 @@
           <a:p>
             <a:fld id="{28175B0E-02F4-401D-909F-0CB3778FF0E8}" type="datetime1">
               <a:rPr lang="es-ES" smtClean="0"/>
-              <a:t>08/09/2025</a:t>
+              <a:t>02/10/2025</a:t>
             </a:fld>
             <a:endParaRPr lang="es-ES"/>
           </a:p>
@@ -1514,7 +1515,7 @@
           <a:p>
             <a:fld id="{4DAE169B-1046-4B9A-A4FD-D65278F1AFF9}" type="datetime1">
               <a:rPr lang="es-ES" smtClean="0"/>
-              <a:t>08/09/2025</a:t>
+              <a:t>02/10/2025</a:t>
             </a:fld>
             <a:endParaRPr lang="es-ES"/>
           </a:p>
@@ -1779,7 +1780,7 @@
           <a:p>
             <a:fld id="{BBC68EE2-0ABC-4E03-9EAC-BA2ECDE3532D}" type="datetime1">
               <a:rPr lang="es-ES" smtClean="0"/>
-              <a:t>08/09/2025</a:t>
+              <a:t>02/10/2025</a:t>
             </a:fld>
             <a:endParaRPr lang="es-ES"/>
           </a:p>
@@ -2191,7 +2192,7 @@
           <a:p>
             <a:fld id="{6AC25880-276C-4427-8429-14FF71FAC537}" type="datetime1">
               <a:rPr lang="es-ES" smtClean="0"/>
-              <a:t>08/09/2025</a:t>
+              <a:t>02/10/2025</a:t>
             </a:fld>
             <a:endParaRPr lang="es-ES"/>
           </a:p>
@@ -2332,7 +2333,7 @@
           <a:p>
             <a:fld id="{6995D3E6-FB57-40A2-B22C-06EEBC26C023}" type="datetime1">
               <a:rPr lang="es-ES" smtClean="0"/>
-              <a:t>08/09/2025</a:t>
+              <a:t>02/10/2025</a:t>
             </a:fld>
             <a:endParaRPr lang="es-ES"/>
           </a:p>
@@ -2445,7 +2446,7 @@
           <a:p>
             <a:fld id="{22E23D6C-7E5C-4C8E-8598-6BAA43C0A89C}" type="datetime1">
               <a:rPr lang="es-ES" smtClean="0"/>
-              <a:t>08/09/2025</a:t>
+              <a:t>02/10/2025</a:t>
             </a:fld>
             <a:endParaRPr lang="es-ES"/>
           </a:p>
@@ -2756,7 +2757,7 @@
           <a:p>
             <a:fld id="{81BCB8AB-18D1-4D88-9D9A-C64CAA4AD3DB}" type="datetime1">
               <a:rPr lang="es-ES" smtClean="0"/>
-              <a:t>08/09/2025</a:t>
+              <a:t>02/10/2025</a:t>
             </a:fld>
             <a:endParaRPr lang="es-ES"/>
           </a:p>
@@ -3044,7 +3045,7 @@
           <a:p>
             <a:fld id="{9D356EED-565D-4264-847A-2C920439E924}" type="datetime1">
               <a:rPr lang="es-ES" smtClean="0"/>
-              <a:t>08/09/2025</a:t>
+              <a:t>02/10/2025</a:t>
             </a:fld>
             <a:endParaRPr lang="es-ES"/>
           </a:p>
@@ -3285,7 +3286,7 @@
           <a:p>
             <a:fld id="{04DBDF66-C1DB-4761-BCF6-13C741CA8E72}" type="datetime1">
               <a:rPr lang="es-ES" smtClean="0"/>
-              <a:t>08/09/2025</a:t>
+              <a:t>02/10/2025</a:t>
             </a:fld>
             <a:endParaRPr lang="es-ES"/>
           </a:p>
@@ -4878,16 +4879,22 @@
         </p:nvSpPr>
         <p:spPr/>
         <p:txBody>
-          <a:bodyPr/>
-          <a:lstStyle/>
-          <a:p>
-            <a:r>
-              <a:rPr lang="es-ES" dirty="0" err="1"/>
+          <a:bodyPr>
+            <a:normAutofit fontScale="85000" lnSpcReduction="20000"/>
+          </a:bodyPr>
+          <a:lstStyle/>
+          <a:p>
+            <a:r>
+              <a:rPr lang="es-ES" b="1" dirty="0" err="1"/>
               <a:t>CppREST</a:t>
             </a:r>
             <a:r>
-              <a:rPr lang="es-ES" dirty="0"/>
-              <a:t> SDK (Casablanca)	</a:t>
+              <a:rPr lang="es-ES" b="1" dirty="0"/>
+              <a:t> SDK (Casablanca</a:t>
+            </a:r>
+            <a:r>
+              <a:rPr lang="es-ES" dirty="0"/>
+              <a:t>)	</a:t>
             </a:r>
           </a:p>
           <a:p>
@@ -4898,19 +4905,48 @@
             </a:r>
           </a:p>
           <a:p>
+            <a:pPr lvl="1"/>
+            <a:r>
+              <a:rPr lang="es-ES" b="1" i="1" dirty="0"/>
+              <a:t>Actualmente no es una buena elección para nuevos proyectos porque está en revisión</a:t>
+            </a:r>
+            <a:r>
+              <a:rPr lang="es-ES" dirty="0"/>
+              <a:t>.</a:t>
+            </a:r>
+          </a:p>
+          <a:p>
+            <a:pPr lvl="1"/>
             <a:endParaRPr lang="es-ES" dirty="0"/>
           </a:p>
           <a:p>
             <a:r>
-              <a:rPr lang="es-ES" dirty="0" err="1"/>
+              <a:rPr lang="es-ES" b="1" dirty="0"/>
+              <a:t>Pistache</a:t>
+            </a:r>
+            <a:r>
+              <a:rPr lang="es-ES" dirty="0"/>
+              <a:t>: para sistemas Linux. </a:t>
+            </a:r>
+            <a:r>
+              <a:rPr lang="es-ES" b="1" i="1" dirty="0"/>
+              <a:t>No se aconseja para Windows, suele dar problemas.</a:t>
+            </a:r>
+          </a:p>
+          <a:p>
+            <a:endParaRPr lang="es-ES" dirty="0"/>
+          </a:p>
+          <a:p>
+            <a:r>
+              <a:rPr lang="es-ES" b="1" dirty="0" err="1"/>
               <a:t>Boost.Beast</a:t>
             </a:r>
             <a:r>
-              <a:rPr lang="es-ES" dirty="0"/>
+              <a:rPr lang="es-ES" b="1" dirty="0"/>
               <a:t> / </a:t>
             </a:r>
             <a:r>
-              <a:rPr lang="es-ES" dirty="0" err="1"/>
+              <a:rPr lang="es-ES" b="1" dirty="0" err="1"/>
               <a:t>Boost.Asio</a:t>
             </a:r>
             <a:r>
@@ -4923,7 +4959,7 @@
           </a:p>
           <a:p>
             <a:r>
-              <a:rPr lang="es-ES" dirty="0" err="1"/>
+              <a:rPr lang="es-ES" b="1" dirty="0" err="1"/>
               <a:t>gSOAP</a:t>
             </a:r>
             <a:r>
@@ -4936,13 +4972,22 @@
           </a:p>
           <a:p>
             <a:r>
-              <a:rPr lang="es-ES" dirty="0" err="1"/>
-              <a:t>XmlLite</a:t>
-            </a:r>
-            <a:r>
-              <a:rPr lang="es-ES" dirty="0"/>
-              <a:t>: Analizador XML</a:t>
-            </a:r>
+              <a:rPr lang="es-ES" b="1" dirty="0" err="1"/>
+              <a:t>crow</a:t>
+            </a:r>
+            <a:r>
+              <a:rPr lang="es-ES" dirty="0"/>
+              <a:t>: Servicios REST</a:t>
+            </a:r>
+          </a:p>
+          <a:p>
+            <a:endParaRPr lang="es-ES" dirty="0"/>
+          </a:p>
+          <a:p>
+            <a:endParaRPr lang="es-ES" dirty="0"/>
+          </a:p>
+          <a:p>
+            <a:endParaRPr lang="es-ES" dirty="0"/>
           </a:p>
         </p:txBody>
       </p:sp>
@@ -5021,7 +5066,12 @@
             <p:ph type="title"/>
           </p:nvPr>
         </p:nvSpPr>
-        <p:spPr/>
+        <p:spPr>
+          <a:xfrm>
+            <a:off x="838200" y="365126"/>
+            <a:ext cx="10515600" cy="841506"/>
+          </a:xfrm>
+        </p:spPr>
         <p:txBody>
           <a:bodyPr/>
           <a:lstStyle/>
@@ -5049,37 +5099,185 @@
             <p:ph idx="1"/>
           </p:nvPr>
         </p:nvSpPr>
-        <p:spPr/>
-        <p:txBody>
-          <a:bodyPr/>
-          <a:lstStyle/>
-          <a:p>
-            <a:r>
-              <a:rPr lang="es-ES" dirty="0"/>
-              <a:t>Se deben utilizar librerías específicas como </a:t>
+        <p:spPr>
+          <a:xfrm>
+            <a:off x="744718" y="1338606"/>
+            <a:ext cx="10609082" cy="4838357"/>
+          </a:xfrm>
+        </p:spPr>
+        <p:txBody>
+          <a:bodyPr>
+            <a:normAutofit fontScale="85000" lnSpcReduction="20000"/>
+          </a:bodyPr>
+          <a:lstStyle/>
+          <a:p>
+            <a:r>
+              <a:rPr lang="es-ES" dirty="0"/>
+              <a:t>La comunicación entre microservicios puede ser síncrona / asíncrona.</a:t>
+            </a:r>
+          </a:p>
+          <a:p>
+            <a:r>
+              <a:rPr lang="es-ES" dirty="0"/>
+              <a:t>Tenemos varios métodos de comunicación entre microservicios:</a:t>
+            </a:r>
+          </a:p>
+          <a:p>
+            <a:pPr lvl="1"/>
+            <a:r>
+              <a:rPr lang="es-ES" b="1" dirty="0"/>
+              <a:t>HTTP/REST</a:t>
+            </a:r>
+          </a:p>
+          <a:p>
+            <a:pPr lvl="2"/>
+            <a:r>
+              <a:rPr lang="es-ES" dirty="0"/>
+              <a:t>La librería más famosa: </a:t>
+            </a:r>
+            <a:r>
+              <a:rPr lang="es-ES" b="1" dirty="0" err="1"/>
+              <a:t>Boost.beast</a:t>
+            </a:r>
+            <a:r>
+              <a:rPr lang="es-ES" b="1" dirty="0"/>
+              <a:t> </a:t>
+            </a:r>
+            <a:r>
+              <a:rPr lang="es-ES" dirty="0"/>
+              <a:t>para la implementación de clientes y servidores HTTP</a:t>
+            </a:r>
+          </a:p>
+          <a:p>
+            <a:pPr lvl="2"/>
+            <a:endParaRPr lang="es-ES" dirty="0"/>
+          </a:p>
+          <a:p>
+            <a:pPr lvl="1"/>
+            <a:r>
+              <a:rPr lang="es-ES" b="1" dirty="0" err="1"/>
+              <a:t>gRPC</a:t>
+            </a:r>
+            <a:r>
+              <a:rPr lang="es-ES" dirty="0"/>
+              <a:t>:</a:t>
+            </a:r>
+          </a:p>
+          <a:p>
+            <a:pPr lvl="2"/>
+            <a:r>
+              <a:rPr lang="es-ES" dirty="0"/>
+              <a:t>Basado en HTTP/2 y </a:t>
             </a:r>
             <a:r>
               <a:rPr lang="es-ES" dirty="0" err="1"/>
-              <a:t>gRPC</a:t>
-            </a:r>
-            <a:r>
-              <a:rPr lang="es-ES" dirty="0"/>
-              <a:t>.</a:t>
-            </a:r>
-          </a:p>
-          <a:p>
-            <a:r>
-              <a:rPr lang="es-ES" dirty="0"/>
-              <a:t>La librería </a:t>
+              <a:t>protocols</a:t>
+            </a:r>
+            <a:r>
+              <a:rPr lang="es-ES" dirty="0"/>
+              <a:t> buffers</a:t>
+            </a:r>
+          </a:p>
+          <a:p>
+            <a:pPr lvl="2"/>
+            <a:r>
+              <a:rPr lang="es-ES" dirty="0"/>
+              <a:t>Eficiente y rápida</a:t>
+            </a:r>
+          </a:p>
+          <a:p>
+            <a:pPr lvl="2"/>
+            <a:r>
+              <a:rPr lang="es-ES" dirty="0"/>
+              <a:t>Soporta </a:t>
             </a:r>
             <a:r>
               <a:rPr lang="es-ES" dirty="0" err="1"/>
+              <a:t>streaming</a:t>
+            </a:r>
+            <a:r>
+              <a:rPr lang="es-ES" dirty="0"/>
+              <a:t> bidireccional, comunicación síncrona y asíncrona</a:t>
+            </a:r>
+          </a:p>
+          <a:p>
+            <a:pPr lvl="2"/>
+            <a:endParaRPr lang="es-ES" dirty="0"/>
+          </a:p>
+          <a:p>
+            <a:pPr lvl="1"/>
+            <a:r>
+              <a:rPr lang="es-ES" b="1" dirty="0"/>
+              <a:t>Mensajería asíncrona:</a:t>
+            </a:r>
+          </a:p>
+          <a:p>
+            <a:pPr lvl="2"/>
+            <a:r>
+              <a:rPr lang="es-ES" dirty="0"/>
+              <a:t>Utiliza </a:t>
+            </a:r>
+            <a:r>
+              <a:rPr lang="es-ES" dirty="0" err="1"/>
+              <a:t>RabbitMQ</a:t>
+            </a:r>
+            <a:r>
+              <a:rPr lang="es-ES" dirty="0"/>
+              <a:t> o </a:t>
+            </a:r>
+            <a:r>
+              <a:rPr lang="es-ES" dirty="0" err="1"/>
+              <a:t>ZeroMQ</a:t>
+            </a:r>
+            <a:endParaRPr lang="es-ES" dirty="0"/>
+          </a:p>
+          <a:p>
+            <a:pPr lvl="1"/>
+            <a:endParaRPr lang="es-ES" dirty="0"/>
+          </a:p>
+          <a:p>
+            <a:pPr lvl="1"/>
+            <a:r>
+              <a:rPr lang="es-ES" b="1" dirty="0"/>
+              <a:t>Sockets TCP/UDP:</a:t>
+            </a:r>
+          </a:p>
+          <a:p>
+            <a:pPr lvl="2"/>
+            <a:r>
+              <a:rPr lang="es-ES" dirty="0"/>
+              <a:t>Comunicación de bajo nivel entre procesos</a:t>
+            </a:r>
+          </a:p>
+          <a:p>
+            <a:pPr lvl="2"/>
+            <a:r>
+              <a:rPr lang="es-ES" dirty="0"/>
+              <a:t>Útil si se requiere alto rendimiento y control total.</a:t>
+            </a:r>
+          </a:p>
+          <a:p>
+            <a:pPr lvl="2"/>
+            <a:r>
+              <a:rPr lang="es-ES" dirty="0"/>
+              <a:t>Se puede utilizar </a:t>
+            </a:r>
+            <a:r>
+              <a:rPr lang="es-ES" b="1" dirty="0" err="1"/>
               <a:t>Boost.Asio</a:t>
             </a:r>
             <a:r>
-              <a:rPr lang="es-ES" dirty="0"/>
-              <a:t>.</a:t>
-            </a:r>
+              <a:rPr lang="es-ES" b="1" dirty="0"/>
+              <a:t> para </a:t>
+            </a:r>
+            <a:r>
+              <a:rPr lang="es-ES" dirty="0"/>
+              <a:t>facilitar la implementación.</a:t>
+            </a:r>
+          </a:p>
+          <a:p>
+            <a:pPr lvl="2"/>
+            <a:endParaRPr lang="es-ES" dirty="0"/>
           </a:p>
         </p:txBody>
       </p:sp>
@@ -5147,7 +5345,7 @@
           <p:cNvPr id="2" name="Título 1">
             <a:extLst>
               <a:ext uri="{FF2B5EF4-FFF2-40B4-BE49-F238E27FC236}">
-                <a16:creationId xmlns:a16="http://schemas.microsoft.com/office/drawing/2014/main" id="{9459141B-FF03-A128-8B41-6D41C34D8378}"/>
+                <a16:creationId xmlns:a16="http://schemas.microsoft.com/office/drawing/2014/main" id="{665969F9-262D-D833-E78C-11B976881DE4}"/>
               </a:ext>
             </a:extLst>
           </p:cNvPr>
@@ -5165,7 +5363,7 @@
           <a:p>
             <a:r>
               <a:rPr lang="es-ES" dirty="0"/>
-              <a:t>Serialización de datos</a:t>
+              <a:t>Comunicación entre Servicios</a:t>
             </a:r>
           </a:p>
         </p:txBody>
@@ -5175,7 +5373,7 @@
           <p:cNvPr id="3" name="Marcador de contenido 2">
             <a:extLst>
               <a:ext uri="{FF2B5EF4-FFF2-40B4-BE49-F238E27FC236}">
-                <a16:creationId xmlns:a16="http://schemas.microsoft.com/office/drawing/2014/main" id="{954429DC-7C88-3550-6FED-1752F140E369}"/>
+                <a16:creationId xmlns:a16="http://schemas.microsoft.com/office/drawing/2014/main" id="{42CAFB5B-D527-C184-F754-E91F08473C85}"/>
               </a:ext>
             </a:extLst>
           </p:cNvPr>
@@ -5188,20 +5386,136 @@
         </p:nvSpPr>
         <p:spPr/>
         <p:txBody>
-          <a:bodyPr/>
-          <a:lstStyle/>
-          <a:p>
-            <a:r>
-              <a:rPr lang="es-ES" dirty="0"/>
-              <a:t>No existe una solución estándar como </a:t>
+          <a:bodyPr>
+            <a:normAutofit lnSpcReduction="10000"/>
+          </a:bodyPr>
+          <a:lstStyle/>
+          <a:p>
+            <a:r>
+              <a:rPr lang="es-ES" dirty="0"/>
+              <a:t>Consideraciones:</a:t>
+            </a:r>
+          </a:p>
+          <a:p>
+            <a:pPr lvl="1"/>
+            <a:r>
+              <a:rPr lang="es-ES" b="1" dirty="0"/>
+              <a:t>Síncrona vs asíncrona</a:t>
+            </a:r>
+            <a:r>
+              <a:rPr lang="es-ES" dirty="0"/>
+              <a:t>: HTTP/</a:t>
             </a:r>
             <a:r>
               <a:rPr lang="es-ES" dirty="0" err="1"/>
-              <a:t>JSON.stringify</a:t>
-            </a:r>
-            <a:r>
-              <a:rPr lang="es-ES" dirty="0"/>
-              <a:t> en JavaScript.</a:t>
+              <a:t>gRPC</a:t>
+            </a:r>
+            <a:r>
+              <a:rPr lang="es-ES" dirty="0"/>
+              <a:t> </a:t>
+            </a:r>
+            <a:r>
+              <a:rPr lang="es-ES" dirty="0">
+                <a:sym typeface="Wingdings" panose="05000000000000000000" pitchFamily="2" charset="2"/>
+              </a:rPr>
+              <a:t> síncrono (</a:t>
+            </a:r>
+            <a:r>
+              <a:rPr lang="es-ES" dirty="0" err="1">
+                <a:sym typeface="Wingdings" panose="05000000000000000000" pitchFamily="2" charset="2"/>
+              </a:rPr>
+              <a:t>gRPC</a:t>
+            </a:r>
+            <a:r>
+              <a:rPr lang="es-ES" dirty="0">
+                <a:sym typeface="Wingdings" panose="05000000000000000000" pitchFamily="2" charset="2"/>
+              </a:rPr>
+              <a:t> soporta ambas formas de comunicación) y </a:t>
+            </a:r>
+            <a:r>
+              <a:rPr lang="es-ES" dirty="0" err="1">
+                <a:sym typeface="Wingdings" panose="05000000000000000000" pitchFamily="2" charset="2"/>
+              </a:rPr>
+              <a:t>RabbitMQ</a:t>
+            </a:r>
+            <a:r>
+              <a:rPr lang="es-ES" dirty="0">
+                <a:sym typeface="Wingdings" panose="05000000000000000000" pitchFamily="2" charset="2"/>
+              </a:rPr>
+              <a:t> para asíncrona.</a:t>
+            </a:r>
+          </a:p>
+          <a:p>
+            <a:pPr lvl="1"/>
+            <a:r>
+              <a:rPr lang="es-ES" b="1" dirty="0">
+                <a:sym typeface="Wingdings" panose="05000000000000000000" pitchFamily="2" charset="2"/>
+              </a:rPr>
+              <a:t>Desacoplamiento</a:t>
+            </a:r>
+            <a:r>
+              <a:rPr lang="es-ES" dirty="0">
+                <a:sym typeface="Wingdings" panose="05000000000000000000" pitchFamily="2" charset="2"/>
+              </a:rPr>
+              <a:t>: Los sistemas de mensajería permiten independencia entre servicios.</a:t>
+            </a:r>
+          </a:p>
+          <a:p>
+            <a:pPr lvl="1"/>
+            <a:r>
+              <a:rPr lang="es-ES" b="1" dirty="0">
+                <a:sym typeface="Wingdings" panose="05000000000000000000" pitchFamily="2" charset="2"/>
+              </a:rPr>
+              <a:t>Escalabilidad</a:t>
+            </a:r>
+            <a:r>
+              <a:rPr lang="es-ES" dirty="0">
+                <a:sym typeface="Wingdings" panose="05000000000000000000" pitchFamily="2" charset="2"/>
+              </a:rPr>
+              <a:t>: Los </a:t>
+            </a:r>
+            <a:r>
+              <a:rPr lang="es-ES" dirty="0" err="1">
+                <a:sym typeface="Wingdings" panose="05000000000000000000" pitchFamily="2" charset="2"/>
+              </a:rPr>
+              <a:t>brókers</a:t>
+            </a:r>
+            <a:r>
+              <a:rPr lang="es-ES" dirty="0">
+                <a:sym typeface="Wingdings" panose="05000000000000000000" pitchFamily="2" charset="2"/>
+              </a:rPr>
+              <a:t> (por ejemplo: </a:t>
+            </a:r>
+            <a:r>
+              <a:rPr lang="es-ES" dirty="0" err="1">
+                <a:sym typeface="Wingdings" panose="05000000000000000000" pitchFamily="2" charset="2"/>
+              </a:rPr>
+              <a:t>RabbitMQ</a:t>
+            </a:r>
+            <a:r>
+              <a:rPr lang="es-ES" dirty="0">
+                <a:sym typeface="Wingdings" panose="05000000000000000000" pitchFamily="2" charset="2"/>
+              </a:rPr>
+              <a:t>) de mensajes facilitan la escalabilidad.</a:t>
+            </a:r>
+          </a:p>
+          <a:p>
+            <a:pPr lvl="1"/>
+            <a:r>
+              <a:rPr lang="es-ES" b="1" dirty="0"/>
+              <a:t>Latencia</a:t>
+            </a:r>
+            <a:r>
+              <a:rPr lang="es-ES" dirty="0"/>
+              <a:t>: </a:t>
+            </a:r>
+            <a:r>
+              <a:rPr lang="es-ES" dirty="0" err="1"/>
+              <a:t>gRPC</a:t>
+            </a:r>
+            <a:r>
+              <a:rPr lang="es-ES" dirty="0"/>
+              <a:t> y sockets ofrecen menor latencia que HTTP.</a:t>
             </a:r>
           </a:p>
           <a:p>
@@ -5210,39 +5524,24 @@
           <a:p>
             <a:r>
               <a:rPr lang="es-ES" dirty="0"/>
-              <a:t>Se puede realizar mediante librerías externas como son:</a:t>
-            </a:r>
-          </a:p>
-          <a:p>
-            <a:pPr marL="0" indent="0">
-              <a:buNone/>
-            </a:pPr>
-            <a:r>
-              <a:rPr lang="es-ES" dirty="0"/>
-              <a:t>	</a:t>
-            </a:r>
-            <a:r>
-              <a:rPr lang="es-ES" b="1" dirty="0" err="1"/>
-              <a:t>nlohmann-json</a:t>
-            </a:r>
-            <a:endParaRPr lang="es-ES" b="1" dirty="0"/>
-          </a:p>
-          <a:p>
-            <a:pPr marL="0" indent="0">
-              <a:buNone/>
-            </a:pPr>
-            <a:endParaRPr lang="es-ES" b="1" dirty="0"/>
-          </a:p>
-          <a:p>
-            <a:r>
-              <a:rPr lang="es-ES" dirty="0"/>
-              <a:t>Instalable con el gestor de paquetes </a:t>
+              <a:t>Un buen esquema de comunicación puede ser </a:t>
             </a:r>
             <a:r>
               <a:rPr lang="es-ES" dirty="0" err="1"/>
-              <a:t>vcpkg</a:t>
-            </a:r>
-            <a:endParaRPr lang="es-ES" dirty="0"/>
+              <a:t>gRPC</a:t>
+            </a:r>
+            <a:r>
+              <a:rPr lang="es-ES" dirty="0"/>
+              <a:t> para servicios internos y HTTP para </a:t>
+            </a:r>
+            <a:r>
+              <a:rPr lang="es-ES" dirty="0" err="1"/>
+              <a:t>APIs</a:t>
+            </a:r>
+            <a:r>
+              <a:rPr lang="es-ES" dirty="0"/>
+              <a:t> públicas.</a:t>
+            </a:r>
           </a:p>
         </p:txBody>
       </p:sp>
@@ -5251,7 +5550,7 @@
           <p:cNvPr id="4" name="Marcador de número de diapositiva 3">
             <a:extLst>
               <a:ext uri="{FF2B5EF4-FFF2-40B4-BE49-F238E27FC236}">
-                <a16:creationId xmlns:a16="http://schemas.microsoft.com/office/drawing/2014/main" id="{C075A95B-8066-69CA-46D5-04625DAECB9D}"/>
+                <a16:creationId xmlns:a16="http://schemas.microsoft.com/office/drawing/2014/main" id="{5D301EB6-127C-02DC-BC24-7E4ABF3BDBB5}"/>
               </a:ext>
             </a:extLst>
           </p:cNvPr>
@@ -5278,7 +5577,7 @@
     </p:spTree>
     <p:extLst>
       <p:ext uri="{BB962C8B-B14F-4D97-AF65-F5344CB8AC3E}">
-        <p14:creationId xmlns:p14="http://schemas.microsoft.com/office/powerpoint/2010/main" val="2800033130"/>
+        <p14:creationId xmlns:p14="http://schemas.microsoft.com/office/powerpoint/2010/main" val="3369394221"/>
       </p:ext>
     </p:extLst>
   </p:cSld>
@@ -5310,7 +5609,7 @@
           <p:cNvPr id="2" name="Título 1">
             <a:extLst>
               <a:ext uri="{FF2B5EF4-FFF2-40B4-BE49-F238E27FC236}">
-                <a16:creationId xmlns:a16="http://schemas.microsoft.com/office/drawing/2014/main" id="{7FF8E688-5EC5-6B98-C184-E989FBA45BCE}"/>
+                <a16:creationId xmlns:a16="http://schemas.microsoft.com/office/drawing/2014/main" id="{9459141B-FF03-A128-8B41-6D41C34D8378}"/>
               </a:ext>
             </a:extLst>
           </p:cNvPr>
@@ -5328,7 +5627,7 @@
           <a:p>
             <a:r>
               <a:rPr lang="es-ES" dirty="0"/>
-              <a:t>Cuando elegir C++</a:t>
+              <a:t>Serialización de datos</a:t>
             </a:r>
           </a:p>
         </p:txBody>
@@ -5338,7 +5637,7 @@
           <p:cNvPr id="3" name="Marcador de contenido 2">
             <a:extLst>
               <a:ext uri="{FF2B5EF4-FFF2-40B4-BE49-F238E27FC236}">
-                <a16:creationId xmlns:a16="http://schemas.microsoft.com/office/drawing/2014/main" id="{7A7B0052-9E1D-1BC5-202C-414EA4DA5869}"/>
+                <a16:creationId xmlns:a16="http://schemas.microsoft.com/office/drawing/2014/main" id="{954429DC-7C88-3550-6FED-1752F140E369}"/>
               </a:ext>
             </a:extLst>
           </p:cNvPr>
@@ -5351,102 +5650,62 @@
         </p:nvSpPr>
         <p:spPr/>
         <p:txBody>
-          <a:bodyPr>
-            <a:normAutofit fontScale="92500" lnSpcReduction="10000"/>
-          </a:bodyPr>
-          <a:lstStyle/>
-          <a:p>
-            <a:r>
-              <a:rPr lang="es-ES" dirty="0"/>
-              <a:t>Máximo rendimiento</a:t>
-            </a:r>
-          </a:p>
-          <a:p>
-            <a:pPr lvl="1"/>
-            <a:r>
-              <a:rPr lang="es-ES" dirty="0"/>
-              <a:t>Video juegos multijugador</a:t>
-            </a:r>
-          </a:p>
-          <a:p>
-            <a:pPr lvl="1"/>
-            <a:r>
-              <a:rPr lang="es-ES" dirty="0"/>
-              <a:t>Comercio financiero</a:t>
-            </a:r>
-          </a:p>
-          <a:p>
-            <a:pPr lvl="1"/>
+          <a:bodyPr/>
+          <a:lstStyle/>
+          <a:p>
+            <a:r>
+              <a:rPr lang="es-ES" dirty="0"/>
+              <a:t>No existe una solución estándar como </a:t>
+            </a:r>
+            <a:r>
+              <a:rPr lang="es-ES" dirty="0" err="1"/>
+              <a:t>JSON.stringify</a:t>
+            </a:r>
+            <a:r>
+              <a:rPr lang="es-ES" dirty="0"/>
+              <a:t> en JavaScript.</a:t>
+            </a:r>
+          </a:p>
+          <a:p>
             <a:endParaRPr lang="es-ES" dirty="0"/>
           </a:p>
           <a:p>
             <a:r>
               <a:rPr lang="es-ES" dirty="0"/>
-              <a:t>Integración con sistemas </a:t>
+              <a:t>Se puede realizar mediante librerías externas como son:</a:t>
+            </a:r>
+          </a:p>
+          <a:p>
+            <a:pPr marL="0" indent="0">
+              <a:buNone/>
+            </a:pPr>
+            <a:r>
+              <a:rPr lang="es-ES" dirty="0"/>
+              <a:t>	</a:t>
+            </a:r>
+            <a:r>
+              <a:rPr lang="es-ES" b="1" dirty="0" err="1"/>
+              <a:t>nlohmann-json</a:t>
+            </a:r>
+            <a:endParaRPr lang="es-ES" b="1" dirty="0"/>
+          </a:p>
+          <a:p>
+            <a:pPr marL="0" indent="0">
+              <a:buNone/>
+            </a:pPr>
+            <a:endParaRPr lang="es-ES" b="1" dirty="0"/>
+          </a:p>
+          <a:p>
+            <a:r>
+              <a:rPr lang="es-ES" dirty="0"/>
+              <a:t>Instalable con el gestor de paquetes </a:t>
             </a:r>
             <a:r>
               <a:rPr lang="es-ES" dirty="0" err="1"/>
-              <a:t>Legacy</a:t>
-            </a:r>
-            <a:r>
-              <a:rPr lang="es-ES" dirty="0"/>
-              <a:t> (sistemas heredados), siguen dentro de la organización a pesar de estar obsoletas.</a:t>
-            </a:r>
-          </a:p>
-          <a:p>
-            <a:pPr lvl="1"/>
+              <a:t>vcpkg</a:t>
+            </a:r>
             <a:endParaRPr lang="es-ES" dirty="0"/>
           </a:p>
-          <a:p>
-            <a:pPr lvl="1"/>
-            <a:r>
-              <a:rPr lang="es-ES" dirty="0"/>
-              <a:t>Características de un sistema </a:t>
-            </a:r>
-            <a:r>
-              <a:rPr lang="es-ES" dirty="0" err="1"/>
-              <a:t>Legacy</a:t>
-            </a:r>
-            <a:r>
-              <a:rPr lang="es-ES" dirty="0"/>
-              <a:t>:</a:t>
-            </a:r>
-          </a:p>
-          <a:p>
-            <a:pPr lvl="2"/>
-            <a:r>
-              <a:rPr lang="es-ES" dirty="0"/>
-              <a:t>Tecnología obsoleta</a:t>
-            </a:r>
-          </a:p>
-          <a:p>
-            <a:pPr lvl="2"/>
-            <a:r>
-              <a:rPr lang="es-ES" dirty="0"/>
-              <a:t>Difícil de modificar</a:t>
-            </a:r>
-          </a:p>
-          <a:p>
-            <a:pPr lvl="2"/>
-            <a:r>
-              <a:rPr lang="es-ES" dirty="0"/>
-              <a:t>Poca documentación</a:t>
-            </a:r>
-          </a:p>
-          <a:p>
-            <a:pPr lvl="2"/>
-            <a:r>
-              <a:rPr lang="es-ES" dirty="0"/>
-              <a:t>Dependencia crítica: no se pueden retirar</a:t>
-            </a:r>
-          </a:p>
-          <a:p>
-            <a:pPr lvl="3"/>
-            <a:r>
-              <a:rPr lang="es-ES" dirty="0"/>
-              <a:t>Por ejemplo, COBOL</a:t>
-            </a:r>
-          </a:p>
         </p:txBody>
       </p:sp>
       <p:sp>
@@ -5454,7 +5713,7 @@
           <p:cNvPr id="4" name="Marcador de número de diapositiva 3">
             <a:extLst>
               <a:ext uri="{FF2B5EF4-FFF2-40B4-BE49-F238E27FC236}">
-                <a16:creationId xmlns:a16="http://schemas.microsoft.com/office/drawing/2014/main" id="{87F88B3F-5C7A-E776-4B8F-BF5D673B4AC5}"/>
+                <a16:creationId xmlns:a16="http://schemas.microsoft.com/office/drawing/2014/main" id="{C075A95B-8066-69CA-46D5-04625DAECB9D}"/>
               </a:ext>
             </a:extLst>
           </p:cNvPr>
@@ -5481,7 +5740,7 @@
     </p:spTree>
     <p:extLst>
       <p:ext uri="{BB962C8B-B14F-4D97-AF65-F5344CB8AC3E}">
-        <p14:creationId xmlns:p14="http://schemas.microsoft.com/office/powerpoint/2010/main" val="3617957972"/>
+        <p14:creationId xmlns:p14="http://schemas.microsoft.com/office/powerpoint/2010/main" val="2800033130"/>
       </p:ext>
     </p:extLst>
   </p:cSld>
@@ -5679,6 +5938,209 @@
           <p:cNvPr id="2" name="Título 1">
             <a:extLst>
               <a:ext uri="{FF2B5EF4-FFF2-40B4-BE49-F238E27FC236}">
+                <a16:creationId xmlns:a16="http://schemas.microsoft.com/office/drawing/2014/main" id="{7FF8E688-5EC5-6B98-C184-E989FBA45BCE}"/>
+              </a:ext>
+            </a:extLst>
+          </p:cNvPr>
+          <p:cNvSpPr>
+            <a:spLocks noGrp="1"/>
+          </p:cNvSpPr>
+          <p:nvPr>
+            <p:ph type="title"/>
+          </p:nvPr>
+        </p:nvSpPr>
+        <p:spPr/>
+        <p:txBody>
+          <a:bodyPr/>
+          <a:lstStyle/>
+          <a:p>
+            <a:r>
+              <a:rPr lang="es-ES" dirty="0"/>
+              <a:t>Cuando elegir C++</a:t>
+            </a:r>
+          </a:p>
+        </p:txBody>
+      </p:sp>
+      <p:sp>
+        <p:nvSpPr>
+          <p:cNvPr id="3" name="Marcador de contenido 2">
+            <a:extLst>
+              <a:ext uri="{FF2B5EF4-FFF2-40B4-BE49-F238E27FC236}">
+                <a16:creationId xmlns:a16="http://schemas.microsoft.com/office/drawing/2014/main" id="{7A7B0052-9E1D-1BC5-202C-414EA4DA5869}"/>
+              </a:ext>
+            </a:extLst>
+          </p:cNvPr>
+          <p:cNvSpPr>
+            <a:spLocks noGrp="1"/>
+          </p:cNvSpPr>
+          <p:nvPr>
+            <p:ph idx="1"/>
+          </p:nvPr>
+        </p:nvSpPr>
+        <p:spPr/>
+        <p:txBody>
+          <a:bodyPr>
+            <a:normAutofit fontScale="92500" lnSpcReduction="10000"/>
+          </a:bodyPr>
+          <a:lstStyle/>
+          <a:p>
+            <a:r>
+              <a:rPr lang="es-ES" b="1" dirty="0"/>
+              <a:t>Máximo rendimiento</a:t>
+            </a:r>
+          </a:p>
+          <a:p>
+            <a:pPr lvl="1"/>
+            <a:r>
+              <a:rPr lang="es-ES" dirty="0"/>
+              <a:t>Video juegos multijugador</a:t>
+            </a:r>
+          </a:p>
+          <a:p>
+            <a:pPr lvl="1"/>
+            <a:r>
+              <a:rPr lang="es-ES" dirty="0"/>
+              <a:t>Comercio financiero</a:t>
+            </a:r>
+          </a:p>
+          <a:p>
+            <a:pPr lvl="1"/>
+            <a:endParaRPr lang="es-ES" dirty="0"/>
+          </a:p>
+          <a:p>
+            <a:r>
+              <a:rPr lang="es-ES" dirty="0"/>
+              <a:t>Integración con sistemas </a:t>
+            </a:r>
+            <a:r>
+              <a:rPr lang="es-ES" b="1" dirty="0" err="1"/>
+              <a:t>Legacy</a:t>
+            </a:r>
+            <a:r>
+              <a:rPr lang="es-ES" dirty="0"/>
+              <a:t> (sistemas heredados), siguen dentro de la organización a pesar de estar obsoletas.</a:t>
+            </a:r>
+          </a:p>
+          <a:p>
+            <a:pPr lvl="1"/>
+            <a:endParaRPr lang="es-ES" dirty="0"/>
+          </a:p>
+          <a:p>
+            <a:pPr lvl="1"/>
+            <a:r>
+              <a:rPr lang="es-ES" dirty="0"/>
+              <a:t>Características de un sistema </a:t>
+            </a:r>
+            <a:r>
+              <a:rPr lang="es-ES" b="1" dirty="0" err="1"/>
+              <a:t>Legacy</a:t>
+            </a:r>
+            <a:r>
+              <a:rPr lang="es-ES" dirty="0"/>
+              <a:t>:</a:t>
+            </a:r>
+          </a:p>
+          <a:p>
+            <a:pPr lvl="2"/>
+            <a:r>
+              <a:rPr lang="es-ES" dirty="0"/>
+              <a:t>Tecnología obsoleta</a:t>
+            </a:r>
+          </a:p>
+          <a:p>
+            <a:pPr lvl="2"/>
+            <a:r>
+              <a:rPr lang="es-ES" dirty="0"/>
+              <a:t>Difícil de modificar</a:t>
+            </a:r>
+          </a:p>
+          <a:p>
+            <a:pPr lvl="2"/>
+            <a:r>
+              <a:rPr lang="es-ES" dirty="0"/>
+              <a:t>Poca documentación</a:t>
+            </a:r>
+          </a:p>
+          <a:p>
+            <a:pPr lvl="2"/>
+            <a:r>
+              <a:rPr lang="es-ES" dirty="0"/>
+              <a:t>Dependencia crítica: no se pueden retirar</a:t>
+            </a:r>
+          </a:p>
+          <a:p>
+            <a:pPr lvl="3"/>
+            <a:r>
+              <a:rPr lang="es-ES" dirty="0"/>
+              <a:t>Por ejemplo, COBOL</a:t>
+            </a:r>
+          </a:p>
+        </p:txBody>
+      </p:sp>
+      <p:sp>
+        <p:nvSpPr>
+          <p:cNvPr id="4" name="Marcador de número de diapositiva 3">
+            <a:extLst>
+              <a:ext uri="{FF2B5EF4-FFF2-40B4-BE49-F238E27FC236}">
+                <a16:creationId xmlns:a16="http://schemas.microsoft.com/office/drawing/2014/main" id="{87F88B3F-5C7A-E776-4B8F-BF5D673B4AC5}"/>
+              </a:ext>
+            </a:extLst>
+          </p:cNvPr>
+          <p:cNvSpPr>
+            <a:spLocks noGrp="1"/>
+          </p:cNvSpPr>
+          <p:nvPr>
+            <p:ph type="sldNum" sz="quarter" idx="12"/>
+          </p:nvPr>
+        </p:nvSpPr>
+        <p:spPr/>
+        <p:txBody>
+          <a:bodyPr/>
+          <a:lstStyle/>
+          <a:p>
+            <a:fld id="{FE1ACEE4-8B3E-4875-98A0-9A2521022ECF}" type="slidenum">
+              <a:rPr lang="es-ES" smtClean="0"/>
+              <a:t>20</a:t>
+            </a:fld>
+            <a:endParaRPr lang="es-ES"/>
+          </a:p>
+        </p:txBody>
+      </p:sp>
+    </p:spTree>
+    <p:extLst>
+      <p:ext uri="{BB962C8B-B14F-4D97-AF65-F5344CB8AC3E}">
+        <p14:creationId xmlns:p14="http://schemas.microsoft.com/office/powerpoint/2010/main" val="3617957972"/>
+      </p:ext>
+    </p:extLst>
+  </p:cSld>
+  <p:clrMapOvr>
+    <a:masterClrMapping/>
+  </p:clrMapOvr>
+</p:sld>
+</file>
+
+<file path=ppt/slides/slide21.xml><?xml version="1.0" encoding="utf-8"?>
+<p:sld xmlns:a="http://schemas.openxmlformats.org/drawingml/2006/main" xmlns:r="http://schemas.openxmlformats.org/officeDocument/2006/relationships" xmlns:p="http://schemas.openxmlformats.org/presentationml/2006/main">
+  <p:cSld>
+    <p:spTree>
+      <p:nvGrpSpPr>
+        <p:cNvPr id="1" name=""/>
+        <p:cNvGrpSpPr/>
+        <p:nvPr/>
+      </p:nvGrpSpPr>
+      <p:grpSpPr>
+        <a:xfrm>
+          <a:off x="0" y="0"/>
+          <a:ext cx="0" cy="0"/>
+          <a:chOff x="0" y="0"/>
+          <a:chExt cx="0" cy="0"/>
+        </a:xfrm>
+      </p:grpSpPr>
+      <p:sp>
+        <p:nvSpPr>
+          <p:cNvPr id="2" name="Título 1">
+            <a:extLst>
+              <a:ext uri="{FF2B5EF4-FFF2-40B4-BE49-F238E27FC236}">
                 <a16:creationId xmlns:a16="http://schemas.microsoft.com/office/drawing/2014/main" id="{BBE8D6CA-6FE7-9130-9FF3-204802F097F9}"/>
               </a:ext>
             </a:extLst>
@@ -5732,7 +6194,7 @@
           <a:p>
             <a:fld id="{FE1ACEE4-8B3E-4875-98A0-9A2521022ECF}" type="slidenum">
               <a:rPr lang="es-ES" smtClean="0"/>
-              <a:t>20</a:t>
+              <a:t>21</a:t>
             </a:fld>
             <a:endParaRPr lang="es-ES"/>
           </a:p>
@@ -5781,225 +6243,6 @@
 </p:sld>
 </file>
 
-<file path=ppt/slides/slide21.xml><?xml version="1.0" encoding="utf-8"?>
-<p:sld xmlns:a="http://schemas.openxmlformats.org/drawingml/2006/main" xmlns:r="http://schemas.openxmlformats.org/officeDocument/2006/relationships" xmlns:p="http://schemas.openxmlformats.org/presentationml/2006/main">
-  <p:cSld>
-    <p:spTree>
-      <p:nvGrpSpPr>
-        <p:cNvPr id="1" name=""/>
-        <p:cNvGrpSpPr/>
-        <p:nvPr/>
-      </p:nvGrpSpPr>
-      <p:grpSpPr>
-        <a:xfrm>
-          <a:off x="0" y="0"/>
-          <a:ext cx="0" cy="0"/>
-          <a:chOff x="0" y="0"/>
-          <a:chExt cx="0" cy="0"/>
-        </a:xfrm>
-      </p:grpSpPr>
-      <p:sp>
-        <p:nvSpPr>
-          <p:cNvPr id="2" name="Título 1">
-            <a:extLst>
-              <a:ext uri="{FF2B5EF4-FFF2-40B4-BE49-F238E27FC236}">
-                <a16:creationId xmlns:a16="http://schemas.microsoft.com/office/drawing/2014/main" id="{3DCFDC62-83CD-1396-E1A8-59347E976590}"/>
-              </a:ext>
-            </a:extLst>
-          </p:cNvPr>
-          <p:cNvSpPr>
-            <a:spLocks noGrp="1"/>
-          </p:cNvSpPr>
-          <p:nvPr>
-            <p:ph type="title"/>
-          </p:nvPr>
-        </p:nvSpPr>
-        <p:spPr/>
-        <p:txBody>
-          <a:bodyPr/>
-          <a:lstStyle/>
-          <a:p>
-            <a:r>
-              <a:rPr lang="es-ES" dirty="0"/>
-              <a:t>C++, Java, </a:t>
-            </a:r>
-            <a:r>
-              <a:rPr lang="es-ES" dirty="0" err="1"/>
-              <a:t>Go</a:t>
-            </a:r>
-            <a:r>
-              <a:rPr lang="es-ES" dirty="0"/>
-              <a:t>, Python</a:t>
-            </a:r>
-          </a:p>
-        </p:txBody>
-      </p:sp>
-      <p:sp>
-        <p:nvSpPr>
-          <p:cNvPr id="3" name="Marcador de contenido 2">
-            <a:extLst>
-              <a:ext uri="{FF2B5EF4-FFF2-40B4-BE49-F238E27FC236}">
-                <a16:creationId xmlns:a16="http://schemas.microsoft.com/office/drawing/2014/main" id="{1CD8D799-C06D-5DBA-0D1A-3A0041226AF0}"/>
-              </a:ext>
-            </a:extLst>
-          </p:cNvPr>
-          <p:cNvSpPr>
-            <a:spLocks noGrp="1"/>
-          </p:cNvSpPr>
-          <p:nvPr>
-            <p:ph idx="1"/>
-          </p:nvPr>
-        </p:nvSpPr>
-        <p:spPr/>
-        <p:txBody>
-          <a:bodyPr/>
-          <a:lstStyle/>
-          <a:p>
-            <a:r>
-              <a:rPr lang="es-ES" b="1" dirty="0"/>
-              <a:t>C++</a:t>
-            </a:r>
-          </a:p>
-          <a:p>
-            <a:pPr lvl="1"/>
-            <a:r>
-              <a:rPr lang="es-ES" dirty="0"/>
-              <a:t>Necesitas </a:t>
-            </a:r>
-            <a:r>
-              <a:rPr lang="es-ES" b="1" dirty="0"/>
-              <a:t>máximo rendimiento</a:t>
-            </a:r>
-            <a:r>
-              <a:rPr lang="es-ES" dirty="0"/>
-              <a:t> y control del hardware.</a:t>
-            </a:r>
-          </a:p>
-          <a:p>
-            <a:pPr lvl="1"/>
-            <a:r>
-              <a:rPr lang="es-ES" dirty="0"/>
-              <a:t>Trabajas en </a:t>
-            </a:r>
-            <a:r>
-              <a:rPr lang="es-ES" b="1" dirty="0"/>
-              <a:t>sistemas embebidos</a:t>
-            </a:r>
-            <a:r>
-              <a:rPr lang="es-ES" dirty="0"/>
-              <a:t>, </a:t>
-            </a:r>
-            <a:r>
-              <a:rPr lang="es-ES" b="1" dirty="0"/>
-              <a:t>telecomunicaciones</a:t>
-            </a:r>
-            <a:r>
-              <a:rPr lang="es-ES" dirty="0"/>
-              <a:t>, </a:t>
-            </a:r>
-            <a:r>
-              <a:rPr lang="es-ES" b="1" dirty="0"/>
-              <a:t>juegos</a:t>
-            </a:r>
-            <a:r>
-              <a:rPr lang="es-ES" dirty="0"/>
-              <a:t>, o </a:t>
-            </a:r>
-            <a:r>
-              <a:rPr lang="es-ES" b="1" dirty="0"/>
-              <a:t>procesamiento en tiempo real</a:t>
-            </a:r>
-            <a:r>
-              <a:rPr lang="es-ES" dirty="0"/>
-              <a:t>.</a:t>
-            </a:r>
-          </a:p>
-          <a:p>
-            <a:pPr lvl="1"/>
-            <a:r>
-              <a:rPr lang="es-ES" dirty="0"/>
-              <a:t>Tu aplicación requiere </a:t>
-            </a:r>
-            <a:r>
-              <a:rPr lang="es-ES" b="1" dirty="0"/>
-              <a:t>uso intensivo de memoria</a:t>
-            </a:r>
-            <a:r>
-              <a:rPr lang="es-ES" dirty="0"/>
-              <a:t>, CPU o GPU.</a:t>
-            </a:r>
-          </a:p>
-          <a:p>
-            <a:endParaRPr lang="es-ES" b="1" dirty="0"/>
-          </a:p>
-          <a:p>
-            <a:r>
-              <a:rPr lang="es-ES" b="1" dirty="0"/>
-              <a:t>Evítalo si:</a:t>
-            </a:r>
-            <a:endParaRPr lang="es-ES" dirty="0"/>
-          </a:p>
-          <a:p>
-            <a:pPr lvl="1"/>
-            <a:r>
-              <a:rPr lang="es-ES" dirty="0"/>
-              <a:t>Buscas rapidez en el desarrollo o facilidad de mantenimiento.</a:t>
-            </a:r>
-          </a:p>
-          <a:p>
-            <a:pPr lvl="1"/>
-            <a:r>
-              <a:rPr lang="es-ES" dirty="0"/>
-              <a:t>No tienes experiencia en gestión manual de recursos.</a:t>
-            </a:r>
-          </a:p>
-          <a:p>
-            <a:endParaRPr lang="es-ES" dirty="0"/>
-          </a:p>
-        </p:txBody>
-      </p:sp>
-      <p:sp>
-        <p:nvSpPr>
-          <p:cNvPr id="4" name="Marcador de número de diapositiva 3">
-            <a:extLst>
-              <a:ext uri="{FF2B5EF4-FFF2-40B4-BE49-F238E27FC236}">
-                <a16:creationId xmlns:a16="http://schemas.microsoft.com/office/drawing/2014/main" id="{C6D898BE-6662-272C-4E79-B42C46599F9D}"/>
-              </a:ext>
-            </a:extLst>
-          </p:cNvPr>
-          <p:cNvSpPr>
-            <a:spLocks noGrp="1"/>
-          </p:cNvSpPr>
-          <p:nvPr>
-            <p:ph type="sldNum" sz="quarter" idx="12"/>
-          </p:nvPr>
-        </p:nvSpPr>
-        <p:spPr/>
-        <p:txBody>
-          <a:bodyPr/>
-          <a:lstStyle/>
-          <a:p>
-            <a:fld id="{FE1ACEE4-8B3E-4875-98A0-9A2521022ECF}" type="slidenum">
-              <a:rPr lang="es-ES" smtClean="0"/>
-              <a:t>21</a:t>
-            </a:fld>
-            <a:endParaRPr lang="es-ES"/>
-          </a:p>
-        </p:txBody>
-      </p:sp>
-    </p:spTree>
-    <p:extLst>
-      <p:ext uri="{BB962C8B-B14F-4D97-AF65-F5344CB8AC3E}">
-        <p14:creationId xmlns:p14="http://schemas.microsoft.com/office/powerpoint/2010/main" val="107331066"/>
-      </p:ext>
-    </p:extLst>
-  </p:cSld>
-  <p:clrMapOvr>
-    <a:masterClrMapping/>
-  </p:clrMapOvr>
-</p:sld>
-</file>
-
 <file path=ppt/slides/slide22.xml><?xml version="1.0" encoding="utf-8"?>
 <p:sld xmlns:a="http://schemas.openxmlformats.org/drawingml/2006/main" xmlns:r="http://schemas.openxmlformats.org/officeDocument/2006/relationships" xmlns:p="http://schemas.openxmlformats.org/presentationml/2006/main">
   <p:cSld>
@@ -6022,7 +6265,7 @@
           <p:cNvPr id="2" name="Título 1">
             <a:extLst>
               <a:ext uri="{FF2B5EF4-FFF2-40B4-BE49-F238E27FC236}">
-                <a16:creationId xmlns:a16="http://schemas.microsoft.com/office/drawing/2014/main" id="{B7D2F53F-4BF1-1403-22E9-80F737DEF357}"/>
+                <a16:creationId xmlns:a16="http://schemas.microsoft.com/office/drawing/2014/main" id="{3DCFDC62-83CD-1396-E1A8-59347E976590}"/>
               </a:ext>
             </a:extLst>
           </p:cNvPr>
@@ -6058,7 +6301,7 @@
           <p:cNvPr id="3" name="Marcador de contenido 2">
             <a:extLst>
               <a:ext uri="{FF2B5EF4-FFF2-40B4-BE49-F238E27FC236}">
-                <a16:creationId xmlns:a16="http://schemas.microsoft.com/office/drawing/2014/main" id="{0DFD077F-7815-883A-DE36-A988C853FC0C}"/>
+                <a16:creationId xmlns:a16="http://schemas.microsoft.com/office/drawing/2014/main" id="{1CD8D799-C06D-5DBA-0D1A-3A0041226AF0}"/>
               </a:ext>
             </a:extLst>
           </p:cNvPr>
@@ -6071,37 +6314,54 @@
         </p:nvSpPr>
         <p:spPr/>
         <p:txBody>
-          <a:bodyPr>
-            <a:normAutofit/>
-          </a:bodyPr>
+          <a:bodyPr/>
           <a:lstStyle/>
           <a:p>
             <a:r>
               <a:rPr lang="es-ES" b="1" dirty="0"/>
-              <a:t>Java</a:t>
-            </a:r>
-          </a:p>
-          <a:p>
-            <a:pPr lvl="1"/>
-            <a:r>
-              <a:rPr lang="es-ES" dirty="0"/>
-              <a:t>Quieres construir </a:t>
+              <a:t>C++</a:t>
+            </a:r>
+          </a:p>
+          <a:p>
+            <a:pPr lvl="1"/>
+            <a:r>
+              <a:rPr lang="es-ES" dirty="0"/>
+              <a:t>Necesitas </a:t>
             </a:r>
             <a:r>
               <a:rPr lang="es-ES" b="1" dirty="0"/>
-              <a:t>aplicaciones empresariales</a:t>
+              <a:t>máximo rendimiento</a:t>
+            </a:r>
+            <a:r>
+              <a:rPr lang="es-ES" dirty="0"/>
+              <a:t> y control del hardware.</a:t>
+            </a:r>
+          </a:p>
+          <a:p>
+            <a:pPr lvl="1"/>
+            <a:r>
+              <a:rPr lang="es-ES" dirty="0"/>
+              <a:t>Trabajas en </a:t>
+            </a:r>
+            <a:r>
+              <a:rPr lang="es-ES" b="1" dirty="0"/>
+              <a:t>sistemas embebidos</a:t>
             </a:r>
             <a:r>
               <a:rPr lang="es-ES" dirty="0"/>
               <a:t>, </a:t>
             </a:r>
             <a:r>
-              <a:rPr lang="es-ES" b="1" dirty="0" err="1"/>
-              <a:t>backend</a:t>
-            </a:r>
-            <a:r>
               <a:rPr lang="es-ES" b="1" dirty="0"/>
-              <a:t> robusto</a:t>
+              <a:t>telecomunicaciones</a:t>
+            </a:r>
+            <a:r>
+              <a:rPr lang="es-ES" dirty="0"/>
+              <a:t>, </a:t>
+            </a:r>
+            <a:r>
+              <a:rPr lang="es-ES" b="1" dirty="0"/>
+              <a:t>juegos</a:t>
             </a:r>
             <a:r>
               <a:rPr lang="es-ES" dirty="0"/>
@@ -6109,7 +6369,7 @@
             </a:r>
             <a:r>
               <a:rPr lang="es-ES" b="1" dirty="0"/>
-              <a:t>sistemas distribuidos</a:t>
+              <a:t>procesamiento en tiempo real</a:t>
             </a:r>
             <a:r>
               <a:rPr lang="es-ES" dirty="0"/>
@@ -6120,50 +6380,15 @@
             <a:pPr lvl="1"/>
             <a:r>
               <a:rPr lang="es-ES" dirty="0"/>
-              <a:t>Necesitas </a:t>
+              <a:t>Tu aplicación requiere </a:t>
             </a:r>
             <a:r>
               <a:rPr lang="es-ES" b="1" dirty="0"/>
-              <a:t>portabilidad</a:t>
-            </a:r>
-            <a:r>
-              <a:rPr lang="es-ES" dirty="0"/>
-              <a:t> y </a:t>
-            </a:r>
-            <a:r>
-              <a:rPr lang="es-ES" b="1" dirty="0"/>
-              <a:t>compatibilidad multiplataforma</a:t>
-            </a:r>
-            <a:r>
-              <a:rPr lang="es-ES" dirty="0"/>
-              <a:t>.</a:t>
-            </a:r>
-          </a:p>
-          <a:p>
-            <a:pPr lvl="1"/>
-            <a:r>
-              <a:rPr lang="es-ES" dirty="0"/>
-              <a:t>Buscas un ecosistema maduro con herramientas como </a:t>
-            </a:r>
-            <a:r>
-              <a:rPr lang="es-ES" b="1" dirty="0"/>
-              <a:t>Spring </a:t>
-            </a:r>
-            <a:r>
-              <a:rPr lang="es-ES" b="1" dirty="0" err="1"/>
-              <a:t>Boot</a:t>
-            </a:r>
-            <a:r>
-              <a:rPr lang="es-ES" dirty="0"/>
-              <a:t>, </a:t>
-            </a:r>
-            <a:r>
-              <a:rPr lang="es-ES" b="1" dirty="0"/>
-              <a:t>Kafka</a:t>
-            </a:r>
-            <a:r>
-              <a:rPr lang="es-ES" dirty="0"/>
-              <a:t>, etc.</a:t>
+              <a:t>uso intensivo de memoria</a:t>
+            </a:r>
+            <a:r>
+              <a:rPr lang="es-ES" dirty="0"/>
+              <a:t>, CPU o GPU.</a:t>
             </a:r>
           </a:p>
           <a:p>
@@ -6180,14 +6405,14 @@
             <a:pPr lvl="1"/>
             <a:r>
               <a:rPr lang="es-ES" dirty="0"/>
-              <a:t>El rendimiento extremo es crítico (aunque Java es bastante rápido).</a:t>
-            </a:r>
-          </a:p>
-          <a:p>
-            <a:pPr lvl="1"/>
-            <a:r>
-              <a:rPr lang="es-ES" dirty="0"/>
-              <a:t>Algo más ligero para microservicios simples.</a:t>
+              <a:t>Buscas rapidez en el desarrollo o facilidad de mantenimiento.</a:t>
+            </a:r>
+          </a:p>
+          <a:p>
+            <a:pPr lvl="1"/>
+            <a:r>
+              <a:rPr lang="es-ES" dirty="0"/>
+              <a:t>No tienes experiencia en gestión manual de recursos.</a:t>
             </a:r>
           </a:p>
           <a:p>
@@ -6200,7 +6425,7 @@
           <p:cNvPr id="4" name="Marcador de número de diapositiva 3">
             <a:extLst>
               <a:ext uri="{FF2B5EF4-FFF2-40B4-BE49-F238E27FC236}">
-                <a16:creationId xmlns:a16="http://schemas.microsoft.com/office/drawing/2014/main" id="{46D2CCAE-C755-0091-4E45-39154E6BEF0E}"/>
+                <a16:creationId xmlns:a16="http://schemas.microsoft.com/office/drawing/2014/main" id="{C6D898BE-6662-272C-4E79-B42C46599F9D}"/>
               </a:ext>
             </a:extLst>
           </p:cNvPr>
@@ -6227,7 +6452,7 @@
     </p:spTree>
     <p:extLst>
       <p:ext uri="{BB962C8B-B14F-4D97-AF65-F5344CB8AC3E}">
-        <p14:creationId xmlns:p14="http://schemas.microsoft.com/office/powerpoint/2010/main" val="348923643"/>
+        <p14:creationId xmlns:p14="http://schemas.microsoft.com/office/powerpoint/2010/main" val="107331066"/>
       </p:ext>
     </p:extLst>
   </p:cSld>
@@ -6259,7 +6484,7 @@
           <p:cNvPr id="2" name="Título 1">
             <a:extLst>
               <a:ext uri="{FF2B5EF4-FFF2-40B4-BE49-F238E27FC236}">
-                <a16:creationId xmlns:a16="http://schemas.microsoft.com/office/drawing/2014/main" id="{F38FA604-0DFF-2401-F22B-5A69AD006811}"/>
+                <a16:creationId xmlns:a16="http://schemas.microsoft.com/office/drawing/2014/main" id="{B7D2F53F-4BF1-1403-22E9-80F737DEF357}"/>
               </a:ext>
             </a:extLst>
           </p:cNvPr>
@@ -6295,7 +6520,7 @@
           <p:cNvPr id="3" name="Marcador de contenido 2">
             <a:extLst>
               <a:ext uri="{FF2B5EF4-FFF2-40B4-BE49-F238E27FC236}">
-                <a16:creationId xmlns:a16="http://schemas.microsoft.com/office/drawing/2014/main" id="{C84464C5-2637-4875-C805-9B7C7C5C64B0}"/>
+                <a16:creationId xmlns:a16="http://schemas.microsoft.com/office/drawing/2014/main" id="{0DFD077F-7815-883A-DE36-A988C853FC0C}"/>
               </a:ext>
             </a:extLst>
           </p:cNvPr>
@@ -6314,20 +6539,81 @@
           <a:lstStyle/>
           <a:p>
             <a:r>
+              <a:rPr lang="es-ES" b="1" dirty="0"/>
+              <a:t>Java</a:t>
+            </a:r>
+          </a:p>
+          <a:p>
+            <a:pPr lvl="1"/>
+            <a:r>
+              <a:rPr lang="es-ES" dirty="0"/>
+              <a:t>Quieres construir </a:t>
+            </a:r>
+            <a:r>
+              <a:rPr lang="es-ES" b="1" dirty="0"/>
+              <a:t>aplicaciones empresariales</a:t>
+            </a:r>
+            <a:r>
+              <a:rPr lang="es-ES" dirty="0"/>
+              <a:t>, </a:t>
+            </a:r>
+            <a:r>
               <a:rPr lang="es-ES" b="1" dirty="0" err="1"/>
-              <a:t>Go</a:t>
-            </a:r>
-            <a:endParaRPr lang="es-ES" b="1" dirty="0"/>
-          </a:p>
-          <a:p>
-            <a:pPr lvl="1"/>
-            <a:r>
-              <a:rPr lang="es-ES" dirty="0"/>
-              <a:t>Estás desarrollando </a:t>
+              <a:t>backend</a:t>
             </a:r>
             <a:r>
               <a:rPr lang="es-ES" b="1" dirty="0"/>
-              <a:t>microservicios</a:t>
+              <a:t> robusto</a:t>
+            </a:r>
+            <a:r>
+              <a:rPr lang="es-ES" dirty="0"/>
+              <a:t>, o </a:t>
+            </a:r>
+            <a:r>
+              <a:rPr lang="es-ES" b="1" dirty="0"/>
+              <a:t>sistemas distribuidos</a:t>
+            </a:r>
+            <a:r>
+              <a:rPr lang="es-ES" dirty="0"/>
+              <a:t>.</a:t>
+            </a:r>
+          </a:p>
+          <a:p>
+            <a:pPr lvl="1"/>
+            <a:r>
+              <a:rPr lang="es-ES" dirty="0"/>
+              <a:t>Necesitas </a:t>
+            </a:r>
+            <a:r>
+              <a:rPr lang="es-ES" b="1" dirty="0"/>
+              <a:t>portabilidad</a:t>
+            </a:r>
+            <a:r>
+              <a:rPr lang="es-ES" dirty="0"/>
+              <a:t> y </a:t>
+            </a:r>
+            <a:r>
+              <a:rPr lang="es-ES" b="1" dirty="0"/>
+              <a:t>compatibilidad multiplataforma</a:t>
+            </a:r>
+            <a:r>
+              <a:rPr lang="es-ES" dirty="0"/>
+              <a:t>.</a:t>
+            </a:r>
+          </a:p>
+          <a:p>
+            <a:pPr lvl="1"/>
+            <a:r>
+              <a:rPr lang="es-ES" dirty="0"/>
+              <a:t>Buscas un ecosistema maduro con herramientas como </a:t>
+            </a:r>
+            <a:r>
+              <a:rPr lang="es-ES" b="1" dirty="0"/>
+              <a:t>Spring </a:t>
+            </a:r>
+            <a:r>
+              <a:rPr lang="es-ES" b="1" dirty="0" err="1"/>
+              <a:t>Boot</a:t>
             </a:r>
             <a:r>
               <a:rPr lang="es-ES" dirty="0"/>
@@ -6335,65 +6621,11 @@
             </a:r>
             <a:r>
               <a:rPr lang="es-ES" b="1" dirty="0"/>
-              <a:t>infraestructura </a:t>
-            </a:r>
-            <a:r>
-              <a:rPr lang="es-ES" b="1" dirty="0" err="1"/>
-              <a:t>cloud</a:t>
-            </a:r>
-            <a:r>
-              <a:rPr lang="es-ES" dirty="0"/>
-              <a:t>, o </a:t>
-            </a:r>
-            <a:r>
-              <a:rPr lang="es-ES" b="1" dirty="0"/>
-              <a:t>DevOps </a:t>
-            </a:r>
-            <a:r>
-              <a:rPr lang="es-ES" b="1" dirty="0" err="1"/>
-              <a:t>tools</a:t>
-            </a:r>
-            <a:r>
-              <a:rPr lang="es-ES" dirty="0"/>
-              <a:t>.</a:t>
-            </a:r>
-          </a:p>
-          <a:p>
-            <a:pPr lvl="1"/>
-            <a:r>
-              <a:rPr lang="es-ES" dirty="0"/>
-              <a:t>Necesitas </a:t>
-            </a:r>
-            <a:r>
-              <a:rPr lang="es-ES" b="1" dirty="0"/>
-              <a:t>concurrencia sencilla</a:t>
-            </a:r>
-            <a:r>
-              <a:rPr lang="es-ES" dirty="0"/>
-              <a:t> (</a:t>
-            </a:r>
-            <a:r>
-              <a:rPr lang="es-ES" dirty="0" err="1"/>
-              <a:t>goroutines</a:t>
-            </a:r>
-            <a:r>
-              <a:rPr lang="es-ES" dirty="0"/>
-              <a:t>) y </a:t>
-            </a:r>
-            <a:r>
-              <a:rPr lang="es-ES" b="1" dirty="0"/>
-              <a:t>despliegue rápido</a:t>
-            </a:r>
-            <a:r>
-              <a:rPr lang="es-ES" dirty="0"/>
-              <a:t>.</a:t>
-            </a:r>
-          </a:p>
-          <a:p>
-            <a:pPr lvl="1"/>
-            <a:r>
-              <a:rPr lang="es-ES" dirty="0"/>
-              <a:t>Buscas un lenguaje moderno, minimalista y eficiente.</a:t>
+              <a:t>Kafka</a:t>
+            </a:r>
+            <a:r>
+              <a:rPr lang="es-ES" dirty="0"/>
+              <a:t>, etc.</a:t>
             </a:r>
           </a:p>
           <a:p>
@@ -6410,14 +6642,14 @@
             <a:pPr lvl="1"/>
             <a:r>
               <a:rPr lang="es-ES" dirty="0"/>
-              <a:t>Necesitas programación orientada a objetos avanzada.</a:t>
-            </a:r>
-          </a:p>
-          <a:p>
-            <a:pPr lvl="1"/>
-            <a:r>
-              <a:rPr lang="es-ES" dirty="0"/>
-              <a:t>Equipo está más familiarizado con otros ecosistemas.</a:t>
+              <a:t>El rendimiento extremo es crítico (aunque Java es bastante rápido).</a:t>
+            </a:r>
+          </a:p>
+          <a:p>
+            <a:pPr lvl="1"/>
+            <a:r>
+              <a:rPr lang="es-ES" dirty="0"/>
+              <a:t>Algo más ligero para microservicios simples.</a:t>
             </a:r>
           </a:p>
           <a:p>
@@ -6430,7 +6662,7 @@
           <p:cNvPr id="4" name="Marcador de número de diapositiva 3">
             <a:extLst>
               <a:ext uri="{FF2B5EF4-FFF2-40B4-BE49-F238E27FC236}">
-                <a16:creationId xmlns:a16="http://schemas.microsoft.com/office/drawing/2014/main" id="{886208ED-AA13-FE93-A1B0-7D7D5BF10179}"/>
+                <a16:creationId xmlns:a16="http://schemas.microsoft.com/office/drawing/2014/main" id="{46D2CCAE-C755-0091-4E45-39154E6BEF0E}"/>
               </a:ext>
             </a:extLst>
           </p:cNvPr>
@@ -6457,7 +6689,7 @@
     </p:spTree>
     <p:extLst>
       <p:ext uri="{BB962C8B-B14F-4D97-AF65-F5344CB8AC3E}">
-        <p14:creationId xmlns:p14="http://schemas.microsoft.com/office/powerpoint/2010/main" val="1452319270"/>
+        <p14:creationId xmlns:p14="http://schemas.microsoft.com/office/powerpoint/2010/main" val="348923643"/>
       </p:ext>
     </p:extLst>
   </p:cSld>
@@ -6489,7 +6721,7 @@
           <p:cNvPr id="2" name="Título 1">
             <a:extLst>
               <a:ext uri="{FF2B5EF4-FFF2-40B4-BE49-F238E27FC236}">
-                <a16:creationId xmlns:a16="http://schemas.microsoft.com/office/drawing/2014/main" id="{2208C3D2-768C-B8F3-ADC3-3F678441F215}"/>
+                <a16:creationId xmlns:a16="http://schemas.microsoft.com/office/drawing/2014/main" id="{F38FA604-0DFF-2401-F22B-5A69AD006811}"/>
               </a:ext>
             </a:extLst>
           </p:cNvPr>
@@ -6525,7 +6757,7 @@
           <p:cNvPr id="3" name="Marcador de contenido 2">
             <a:extLst>
               <a:ext uri="{FF2B5EF4-FFF2-40B4-BE49-F238E27FC236}">
-                <a16:creationId xmlns:a16="http://schemas.microsoft.com/office/drawing/2014/main" id="{BB5FD3DA-E0AE-4258-4E44-E71787D8AAA3}"/>
+                <a16:creationId xmlns:a16="http://schemas.microsoft.com/office/drawing/2014/main" id="{C84464C5-2637-4875-C805-9B7C7C5C64B0}"/>
               </a:ext>
             </a:extLst>
           </p:cNvPr>
@@ -6544,44 +6776,75 @@
           <a:lstStyle/>
           <a:p>
             <a:r>
+              <a:rPr lang="es-ES" b="1" dirty="0" err="1"/>
+              <a:t>Go</a:t>
+            </a:r>
+            <a:endParaRPr lang="es-ES" b="1" dirty="0"/>
+          </a:p>
+          <a:p>
+            <a:pPr lvl="1"/>
+            <a:r>
+              <a:rPr lang="es-ES" dirty="0"/>
+              <a:t>Estás desarrollando </a:t>
+            </a:r>
+            <a:r>
               <a:rPr lang="es-ES" b="1" dirty="0"/>
-              <a:t>Python:</a:t>
-            </a:r>
-            <a:endParaRPr lang="es-ES" dirty="0"/>
-          </a:p>
-          <a:p>
-            <a:pPr lvl="1"/>
-            <a:r>
-              <a:rPr lang="es-ES" dirty="0"/>
-              <a:t>Quieres desarrollar </a:t>
+              <a:t>microservicios</a:t>
+            </a:r>
+            <a:r>
+              <a:rPr lang="es-ES" dirty="0"/>
+              <a:t>, </a:t>
             </a:r>
             <a:r>
               <a:rPr lang="es-ES" b="1" dirty="0"/>
-              <a:t>prototipos rápidos</a:t>
-            </a:r>
-            <a:r>
-              <a:rPr lang="es-ES" dirty="0"/>
-              <a:t>, </a:t>
+              <a:t>infraestructura </a:t>
             </a:r>
             <a:r>
               <a:rPr lang="es-ES" b="1" dirty="0" err="1"/>
-              <a:t>APIs</a:t>
+              <a:t>cloud</a:t>
+            </a:r>
+            <a:r>
+              <a:rPr lang="es-ES" dirty="0"/>
+              <a:t>, o </a:t>
             </a:r>
             <a:r>
               <a:rPr lang="es-ES" b="1" dirty="0"/>
-              <a:t> REST</a:t>
-            </a:r>
-            <a:r>
-              <a:rPr lang="es-ES" dirty="0"/>
-              <a:t>, o </a:t>
+              <a:t>DevOps </a:t>
+            </a:r>
+            <a:r>
+              <a:rPr lang="es-ES" b="1" dirty="0" err="1"/>
+              <a:t>tools</a:t>
+            </a:r>
+            <a:r>
+              <a:rPr lang="es-ES" dirty="0"/>
+              <a:t>.</a:t>
+            </a:r>
+          </a:p>
+          <a:p>
+            <a:pPr lvl="1"/>
+            <a:r>
+              <a:rPr lang="es-ES" dirty="0"/>
+              <a:t>Necesitas </a:t>
             </a:r>
             <a:r>
               <a:rPr lang="es-ES" b="1" dirty="0"/>
-              <a:t>servicios de IA / Machine </a:t>
-            </a:r>
-            <a:r>
-              <a:rPr lang="es-ES" b="1" dirty="0" err="1"/>
-              <a:t>Learning</a:t>
+              <a:t>concurrencia sencilla</a:t>
+            </a:r>
+            <a:r>
+              <a:rPr lang="es-ES" dirty="0"/>
+              <a:t> (</a:t>
+            </a:r>
+            <a:r>
+              <a:rPr lang="es-ES" dirty="0" err="1"/>
+              <a:t>goroutines</a:t>
+            </a:r>
+            <a:r>
+              <a:rPr lang="es-ES" dirty="0"/>
+              <a:t>) y </a:t>
+            </a:r>
+            <a:r>
+              <a:rPr lang="es-ES" b="1" dirty="0"/>
+              <a:t>despliegue rápido</a:t>
             </a:r>
             <a:r>
               <a:rPr lang="es-ES" dirty="0"/>
@@ -6592,54 +6855,7 @@
             <a:pPr lvl="1"/>
             <a:r>
               <a:rPr lang="es-ES" dirty="0"/>
-              <a:t>Buscas </a:t>
-            </a:r>
-            <a:r>
-              <a:rPr lang="es-ES" b="1" dirty="0"/>
-              <a:t>simplicidad</a:t>
-            </a:r>
-            <a:r>
-              <a:rPr lang="es-ES" dirty="0"/>
-              <a:t>, </a:t>
-            </a:r>
-            <a:r>
-              <a:rPr lang="es-ES" b="1" dirty="0"/>
-              <a:t>legibilidad</a:t>
-            </a:r>
-            <a:r>
-              <a:rPr lang="es-ES" dirty="0"/>
-              <a:t> y una curva de aprendizaje baja.</a:t>
-            </a:r>
-          </a:p>
-          <a:p>
-            <a:pPr lvl="1"/>
-            <a:r>
-              <a:rPr lang="es-ES" dirty="0"/>
-              <a:t>Necesitas acceso a librerías como </a:t>
-            </a:r>
-            <a:r>
-              <a:rPr lang="es-ES" b="1" dirty="0" err="1"/>
-              <a:t>TensorFlow</a:t>
-            </a:r>
-            <a:r>
-              <a:rPr lang="es-ES" dirty="0"/>
-              <a:t>, </a:t>
-            </a:r>
-            <a:r>
-              <a:rPr lang="es-ES" b="1" dirty="0"/>
-              <a:t>Pandas</a:t>
-            </a:r>
-            <a:r>
-              <a:rPr lang="es-ES" dirty="0"/>
-              <a:t>, </a:t>
-            </a:r>
-            <a:r>
-              <a:rPr lang="es-ES" b="1" dirty="0" err="1"/>
-              <a:t>FastAPI</a:t>
-            </a:r>
-            <a:r>
-              <a:rPr lang="es-ES" dirty="0"/>
-              <a:t>, etc.</a:t>
+              <a:t>Si buscas un lenguaje moderno, minimalista y eficiente.</a:t>
             </a:r>
           </a:p>
           <a:p>
@@ -6656,22 +6872,14 @@
             <a:pPr lvl="1"/>
             <a:r>
               <a:rPr lang="es-ES" dirty="0"/>
-              <a:t>El rendimiento es crítico (aunque puedes usar extensiones en C/C++ o </a:t>
-            </a:r>
-            <a:r>
-              <a:rPr lang="es-ES" dirty="0" err="1"/>
-              <a:t>Rust</a:t>
-            </a:r>
-            <a:r>
-              <a:rPr lang="es-ES" dirty="0"/>
-              <a:t>).</a:t>
-            </a:r>
-          </a:p>
-          <a:p>
-            <a:pPr lvl="1"/>
-            <a:r>
-              <a:rPr lang="es-ES" dirty="0"/>
-              <a:t>Trabajas en sistemas con recursos limitados o tiempo real.</a:t>
+              <a:t>Necesitas programación orientada a objetos avanzada.</a:t>
+            </a:r>
+          </a:p>
+          <a:p>
+            <a:pPr lvl="1"/>
+            <a:r>
+              <a:rPr lang="es-ES" dirty="0"/>
+              <a:t>Equipo está más familiarizado con otros ecosistemas.</a:t>
             </a:r>
           </a:p>
           <a:p>
@@ -6684,7 +6892,7 @@
           <p:cNvPr id="4" name="Marcador de número de diapositiva 3">
             <a:extLst>
               <a:ext uri="{FF2B5EF4-FFF2-40B4-BE49-F238E27FC236}">
-                <a16:creationId xmlns:a16="http://schemas.microsoft.com/office/drawing/2014/main" id="{356D354C-FA03-62C8-A2BB-3BA5A165F71C}"/>
+                <a16:creationId xmlns:a16="http://schemas.microsoft.com/office/drawing/2014/main" id="{886208ED-AA13-FE93-A1B0-7D7D5BF10179}"/>
               </a:ext>
             </a:extLst>
           </p:cNvPr>
@@ -6711,7 +6919,7 @@
     </p:spTree>
     <p:extLst>
       <p:ext uri="{BB962C8B-B14F-4D97-AF65-F5344CB8AC3E}">
-        <p14:creationId xmlns:p14="http://schemas.microsoft.com/office/powerpoint/2010/main" val="4173394099"/>
+        <p14:creationId xmlns:p14="http://schemas.microsoft.com/office/powerpoint/2010/main" val="1452319270"/>
       </p:ext>
     </p:extLst>
   </p:cSld>
@@ -6743,7 +6951,7 @@
           <p:cNvPr id="2" name="Título 1">
             <a:extLst>
               <a:ext uri="{FF2B5EF4-FFF2-40B4-BE49-F238E27FC236}">
-                <a16:creationId xmlns:a16="http://schemas.microsoft.com/office/drawing/2014/main" id="{C90A6FC5-86A9-117D-6F92-2C3B2A89FD78}"/>
+                <a16:creationId xmlns:a16="http://schemas.microsoft.com/office/drawing/2014/main" id="{2208C3D2-768C-B8F3-ADC3-3F678441F215}"/>
               </a:ext>
             </a:extLst>
           </p:cNvPr>
@@ -6761,8 +6969,175 @@
           <a:p>
             <a:r>
               <a:rPr lang="es-ES" dirty="0"/>
-              <a:t>Comparativa</a:t>
-            </a:r>
+              <a:t>C++, Java, </a:t>
+            </a:r>
+            <a:r>
+              <a:rPr lang="es-ES" dirty="0" err="1"/>
+              <a:t>Go</a:t>
+            </a:r>
+            <a:r>
+              <a:rPr lang="es-ES" dirty="0"/>
+              <a:t>, Python</a:t>
+            </a:r>
+          </a:p>
+        </p:txBody>
+      </p:sp>
+      <p:sp>
+        <p:nvSpPr>
+          <p:cNvPr id="3" name="Marcador de contenido 2">
+            <a:extLst>
+              <a:ext uri="{FF2B5EF4-FFF2-40B4-BE49-F238E27FC236}">
+                <a16:creationId xmlns:a16="http://schemas.microsoft.com/office/drawing/2014/main" id="{BB5FD3DA-E0AE-4258-4E44-E71787D8AAA3}"/>
+              </a:ext>
+            </a:extLst>
+          </p:cNvPr>
+          <p:cNvSpPr>
+            <a:spLocks noGrp="1"/>
+          </p:cNvSpPr>
+          <p:nvPr>
+            <p:ph idx="1"/>
+          </p:nvPr>
+        </p:nvSpPr>
+        <p:spPr/>
+        <p:txBody>
+          <a:bodyPr>
+            <a:normAutofit/>
+          </a:bodyPr>
+          <a:lstStyle/>
+          <a:p>
+            <a:r>
+              <a:rPr lang="es-ES" b="1" dirty="0"/>
+              <a:t>Python:</a:t>
+            </a:r>
+            <a:endParaRPr lang="es-ES" dirty="0"/>
+          </a:p>
+          <a:p>
+            <a:pPr lvl="1"/>
+            <a:r>
+              <a:rPr lang="es-ES" dirty="0"/>
+              <a:t>Quieres desarrollar </a:t>
+            </a:r>
+            <a:r>
+              <a:rPr lang="es-ES" b="1" dirty="0"/>
+              <a:t>prototipos rápidos</a:t>
+            </a:r>
+            <a:r>
+              <a:rPr lang="es-ES" dirty="0"/>
+              <a:t>, </a:t>
+            </a:r>
+            <a:r>
+              <a:rPr lang="es-ES" b="1" dirty="0" err="1"/>
+              <a:t>APIs</a:t>
+            </a:r>
+            <a:r>
+              <a:rPr lang="es-ES" b="1" dirty="0"/>
+              <a:t> REST</a:t>
+            </a:r>
+            <a:r>
+              <a:rPr lang="es-ES" dirty="0"/>
+              <a:t>, o </a:t>
+            </a:r>
+            <a:r>
+              <a:rPr lang="es-ES" b="1" dirty="0"/>
+              <a:t>servicios de IA / Machine </a:t>
+            </a:r>
+            <a:r>
+              <a:rPr lang="es-ES" b="1" dirty="0" err="1"/>
+              <a:t>Learning</a:t>
+            </a:r>
+            <a:r>
+              <a:rPr lang="es-ES" dirty="0"/>
+              <a:t>.</a:t>
+            </a:r>
+          </a:p>
+          <a:p>
+            <a:pPr lvl="1"/>
+            <a:r>
+              <a:rPr lang="es-ES" dirty="0"/>
+              <a:t>Buscas </a:t>
+            </a:r>
+            <a:r>
+              <a:rPr lang="es-ES" b="1" dirty="0"/>
+              <a:t>simplicidad</a:t>
+            </a:r>
+            <a:r>
+              <a:rPr lang="es-ES" dirty="0"/>
+              <a:t>, </a:t>
+            </a:r>
+            <a:r>
+              <a:rPr lang="es-ES" b="1" dirty="0"/>
+              <a:t>legibilidad</a:t>
+            </a:r>
+            <a:r>
+              <a:rPr lang="es-ES" dirty="0"/>
+              <a:t> y una curva de aprendizaje baja.</a:t>
+            </a:r>
+          </a:p>
+          <a:p>
+            <a:pPr lvl="1"/>
+            <a:r>
+              <a:rPr lang="es-ES" dirty="0"/>
+              <a:t>Necesitas acceso a librerías como </a:t>
+            </a:r>
+            <a:r>
+              <a:rPr lang="es-ES" b="1" dirty="0" err="1"/>
+              <a:t>TensorFlow</a:t>
+            </a:r>
+            <a:r>
+              <a:rPr lang="es-ES" dirty="0"/>
+              <a:t>, </a:t>
+            </a:r>
+            <a:r>
+              <a:rPr lang="es-ES" b="1" dirty="0"/>
+              <a:t>Pandas</a:t>
+            </a:r>
+            <a:r>
+              <a:rPr lang="es-ES" dirty="0"/>
+              <a:t>, </a:t>
+            </a:r>
+            <a:r>
+              <a:rPr lang="es-ES" b="1" dirty="0" err="1"/>
+              <a:t>FastAPI</a:t>
+            </a:r>
+            <a:r>
+              <a:rPr lang="es-ES" dirty="0"/>
+              <a:t>, etc.</a:t>
+            </a:r>
+          </a:p>
+          <a:p>
+            <a:endParaRPr lang="es-ES" b="1" dirty="0"/>
+          </a:p>
+          <a:p>
+            <a:r>
+              <a:rPr lang="es-ES" b="1" dirty="0"/>
+              <a:t>Evítalo si:</a:t>
+            </a:r>
+            <a:endParaRPr lang="es-ES" dirty="0"/>
+          </a:p>
+          <a:p>
+            <a:pPr lvl="1"/>
+            <a:r>
+              <a:rPr lang="es-ES" dirty="0"/>
+              <a:t>El rendimiento es crítico (aunque puedes usar extensiones en C/C++ o </a:t>
+            </a:r>
+            <a:r>
+              <a:rPr lang="es-ES" dirty="0" err="1"/>
+              <a:t>Rust</a:t>
+            </a:r>
+            <a:r>
+              <a:rPr lang="es-ES" dirty="0"/>
+              <a:t>).</a:t>
+            </a:r>
+          </a:p>
+          <a:p>
+            <a:pPr lvl="1"/>
+            <a:r>
+              <a:rPr lang="es-ES" dirty="0"/>
+              <a:t>Trabajas en sistemas con recursos limitados o tiempo real.</a:t>
+            </a:r>
+          </a:p>
+          <a:p>
+            <a:endParaRPr lang="es-ES" dirty="0"/>
           </a:p>
         </p:txBody>
       </p:sp>
@@ -6771,7 +7146,7 @@
           <p:cNvPr id="4" name="Marcador de número de diapositiva 3">
             <a:extLst>
               <a:ext uri="{FF2B5EF4-FFF2-40B4-BE49-F238E27FC236}">
-                <a16:creationId xmlns:a16="http://schemas.microsoft.com/office/drawing/2014/main" id="{8A8FE1D0-CE4B-ADF7-988B-CA12A7EBCC87}"/>
+                <a16:creationId xmlns:a16="http://schemas.microsoft.com/office/drawing/2014/main" id="{356D354C-FA03-62C8-A2BB-3BA5A165F71C}"/>
               </a:ext>
             </a:extLst>
           </p:cNvPr>
@@ -6790,6 +7165,93 @@
             <a:fld id="{FE1ACEE4-8B3E-4875-98A0-9A2521022ECF}" type="slidenum">
               <a:rPr lang="es-ES" smtClean="0"/>
               <a:t>25</a:t>
+            </a:fld>
+            <a:endParaRPr lang="es-ES"/>
+          </a:p>
+        </p:txBody>
+      </p:sp>
+    </p:spTree>
+    <p:extLst>
+      <p:ext uri="{BB962C8B-B14F-4D97-AF65-F5344CB8AC3E}">
+        <p14:creationId xmlns:p14="http://schemas.microsoft.com/office/powerpoint/2010/main" val="4173394099"/>
+      </p:ext>
+    </p:extLst>
+  </p:cSld>
+  <p:clrMapOvr>
+    <a:masterClrMapping/>
+  </p:clrMapOvr>
+</p:sld>
+</file>
+
+<file path=ppt/slides/slide26.xml><?xml version="1.0" encoding="utf-8"?>
+<p:sld xmlns:a="http://schemas.openxmlformats.org/drawingml/2006/main" xmlns:r="http://schemas.openxmlformats.org/officeDocument/2006/relationships" xmlns:p="http://schemas.openxmlformats.org/presentationml/2006/main">
+  <p:cSld>
+    <p:spTree>
+      <p:nvGrpSpPr>
+        <p:cNvPr id="1" name=""/>
+        <p:cNvGrpSpPr/>
+        <p:nvPr/>
+      </p:nvGrpSpPr>
+      <p:grpSpPr>
+        <a:xfrm>
+          <a:off x="0" y="0"/>
+          <a:ext cx="0" cy="0"/>
+          <a:chOff x="0" y="0"/>
+          <a:chExt cx="0" cy="0"/>
+        </a:xfrm>
+      </p:grpSpPr>
+      <p:sp>
+        <p:nvSpPr>
+          <p:cNvPr id="2" name="Título 1">
+            <a:extLst>
+              <a:ext uri="{FF2B5EF4-FFF2-40B4-BE49-F238E27FC236}">
+                <a16:creationId xmlns:a16="http://schemas.microsoft.com/office/drawing/2014/main" id="{C90A6FC5-86A9-117D-6F92-2C3B2A89FD78}"/>
+              </a:ext>
+            </a:extLst>
+          </p:cNvPr>
+          <p:cNvSpPr>
+            <a:spLocks noGrp="1"/>
+          </p:cNvSpPr>
+          <p:nvPr>
+            <p:ph type="title"/>
+          </p:nvPr>
+        </p:nvSpPr>
+        <p:spPr/>
+        <p:txBody>
+          <a:bodyPr/>
+          <a:lstStyle/>
+          <a:p>
+            <a:r>
+              <a:rPr lang="es-ES" dirty="0"/>
+              <a:t>Comparativa</a:t>
+            </a:r>
+          </a:p>
+        </p:txBody>
+      </p:sp>
+      <p:sp>
+        <p:nvSpPr>
+          <p:cNvPr id="4" name="Marcador de número de diapositiva 3">
+            <a:extLst>
+              <a:ext uri="{FF2B5EF4-FFF2-40B4-BE49-F238E27FC236}">
+                <a16:creationId xmlns:a16="http://schemas.microsoft.com/office/drawing/2014/main" id="{8A8FE1D0-CE4B-ADF7-988B-CA12A7EBCC87}"/>
+              </a:ext>
+            </a:extLst>
+          </p:cNvPr>
+          <p:cNvSpPr>
+            <a:spLocks noGrp="1"/>
+          </p:cNvSpPr>
+          <p:nvPr>
+            <p:ph type="sldNum" sz="quarter" idx="12"/>
+          </p:nvPr>
+        </p:nvSpPr>
+        <p:spPr/>
+        <p:txBody>
+          <a:bodyPr/>
+          <a:lstStyle/>
+          <a:p>
+            <a:fld id="{FE1ACEE4-8B3E-4875-98A0-9A2521022ECF}" type="slidenum">
+              <a:rPr lang="es-ES" smtClean="0"/>
+              <a:t>26</a:t>
             </a:fld>
             <a:endParaRPr lang="es-ES"/>
           </a:p>
